--- a/Project_Documents/24_Poster.pptx
+++ b/Project_Documents/24_Poster.pptx
@@ -504,7 +504,7 @@
               <a:pPr>
                 <a:defRPr/>
               </a:pPr>
-              <a:t>2023/2/6</a:t>
+              <a:t>2023/2/7</a:t>
             </a:fld>
             <a:endParaRPr lang="zh-CN" altLang="en-US"/>
           </a:p>
@@ -4041,7 +4041,7 @@
         <p:spPr bwMode="auto">
           <a:xfrm>
             <a:off x="15725775" y="9267825"/>
-            <a:ext cx="12904788" cy="7493000"/>
+            <a:ext cx="7904162" cy="4859949"/>
           </a:xfrm>
           <a:prstGeom prst="rect">
             <a:avLst/>
@@ -4071,7 +4071,7 @@
           </a:extLst>
         </p:spPr>
         <p:txBody>
-          <a:bodyPr lIns="234774" tIns="234774" rIns="234774" bIns="234774">
+          <a:bodyPr wrap="square" lIns="234774" tIns="234774" rIns="234774" bIns="234774">
             <a:spAutoFit/>
           </a:bodyPr>
           <a:lstStyle>
@@ -4181,109 +4181,14 @@
               <a:buChar char="•"/>
             </a:pPr>
             <a:r>
-              <a:rPr lang="en-US" altLang="zh-CN" sz="5700" dirty="0">
+              <a:rPr lang="en-US" altLang="zh-CN" sz="5700" dirty="0" smtClean="0">
                 <a:solidFill>
                   <a:srgbClr val="2C3F71"/>
                 </a:solidFill>
                 <a:latin typeface="Times New Roman" panose="02020603050405020304" pitchFamily="18" charset="0"/>
                 <a:cs typeface="Times New Roman" panose="02020603050405020304" pitchFamily="18" charset="0"/>
               </a:rPr>
-              <a:t>Preferably not more than 5-8 lines, in point form </a:t>
-            </a:r>
-          </a:p>
-          <a:p>
-            <a:pPr eaLnBrk="1" hangingPunct="1">
-              <a:spcBef>
-                <a:spcPct val="20000"/>
-              </a:spcBef>
-              <a:buFont typeface="Arial" panose="020B0604020202020204" pitchFamily="34" charset="0"/>
-              <a:buChar char="•"/>
-            </a:pPr>
-            <a:r>
-              <a:rPr lang="en-US" altLang="zh-CN" sz="5700" dirty="0">
-                <a:solidFill>
-                  <a:srgbClr val="2C3F71"/>
-                </a:solidFill>
-                <a:latin typeface="Times New Roman" panose="02020603050405020304" pitchFamily="18" charset="0"/>
-                <a:cs typeface="Times New Roman" panose="02020603050405020304" pitchFamily="18" charset="0"/>
-              </a:rPr>
-              <a:t>Preferably with pictures or diagrams</a:t>
-            </a:r>
-          </a:p>
-          <a:p>
-            <a:pPr eaLnBrk="1" hangingPunct="1">
-              <a:spcBef>
-                <a:spcPct val="20000"/>
-              </a:spcBef>
-              <a:buFont typeface="Arial" panose="020B0604020202020204" pitchFamily="34" charset="0"/>
-              <a:buChar char="•"/>
-            </a:pPr>
-            <a:r>
-              <a:rPr lang="en-US" altLang="zh-CN" sz="5700" dirty="0">
-                <a:solidFill>
-                  <a:srgbClr val="2C3F71"/>
-                </a:solidFill>
-                <a:latin typeface="Times New Roman" panose="02020603050405020304" pitchFamily="18" charset="0"/>
-                <a:cs typeface="Times New Roman" panose="02020603050405020304" pitchFamily="18" charset="0"/>
-              </a:rPr>
-              <a:t>Points to include: </a:t>
-            </a:r>
-          </a:p>
-          <a:p>
-            <a:pPr lvl="1" eaLnBrk="1" hangingPunct="1">
-              <a:spcBef>
-                <a:spcPct val="20000"/>
-              </a:spcBef>
-              <a:buFont typeface="Wingdings" pitchFamily="2" charset="2"/>
-              <a:buChar char="q"/>
-            </a:pPr>
-            <a:r>
-              <a:rPr lang="en-US" altLang="zh-CN" sz="5700" dirty="0">
-                <a:solidFill>
-                  <a:srgbClr val="2C3F71"/>
-                </a:solidFill>
-                <a:latin typeface="Times New Roman" panose="02020603050405020304" pitchFamily="18" charset="0"/>
-                <a:cs typeface="Times New Roman" panose="02020603050405020304" pitchFamily="18" charset="0"/>
-              </a:rPr>
-              <a:t>Experiment results;</a:t>
-            </a:r>
-          </a:p>
-          <a:p>
-            <a:pPr lvl="1" eaLnBrk="1" hangingPunct="1">
-              <a:spcBef>
-                <a:spcPct val="20000"/>
-              </a:spcBef>
-              <a:buFont typeface="Wingdings" pitchFamily="2" charset="2"/>
-              <a:buChar char="q"/>
-            </a:pPr>
-            <a:r>
-              <a:rPr lang="en-US" altLang="zh-CN" sz="5700" dirty="0">
-                <a:solidFill>
-                  <a:srgbClr val="2C3F71"/>
-                </a:solidFill>
-                <a:latin typeface="Times New Roman" panose="02020603050405020304" pitchFamily="18" charset="0"/>
-                <a:cs typeface="Times New Roman" panose="02020603050405020304" pitchFamily="18" charset="0"/>
-              </a:rPr>
-              <a:t>Observations from the results;</a:t>
-            </a:r>
-          </a:p>
-          <a:p>
-            <a:pPr lvl="1" eaLnBrk="1" hangingPunct="1">
-              <a:spcBef>
-                <a:spcPct val="20000"/>
-              </a:spcBef>
-              <a:buFont typeface="Wingdings" pitchFamily="2" charset="2"/>
-              <a:buChar char="q"/>
-            </a:pPr>
-            <a:r>
-              <a:rPr lang="en-US" altLang="zh-CN" sz="5700" dirty="0">
-                <a:solidFill>
-                  <a:srgbClr val="2C3F71"/>
-                </a:solidFill>
-                <a:latin typeface="Times New Roman" panose="02020603050405020304" pitchFamily="18" charset="0"/>
-                <a:cs typeface="Times New Roman" panose="02020603050405020304" pitchFamily="18" charset="0"/>
-              </a:rPr>
-              <a:t>Possible applications of the project</a:t>
+              <a:t>The results shows that there wasn’t sufficient data to properly recognize different emotions.</a:t>
             </a:r>
             <a:endParaRPr lang="zh-CN" altLang="en-US" sz="5700" dirty="0">
               <a:solidFill>
@@ -5575,6 +5480,272 @@
               </a14:hiddenFill>
             </a:ext>
           </a:extLst>
+        </p:spPr>
+      </p:pic>
+      <p:pic>
+        <p:nvPicPr>
+          <p:cNvPr id="9" name="圖片 8"/>
+          <p:cNvPicPr>
+            <a:picLocks noChangeAspect="1"/>
+          </p:cNvPicPr>
+          <p:nvPr/>
+        </p:nvPicPr>
+        <p:blipFill>
+          <a:blip r:embed="rId5">
+            <a:extLst>
+              <a:ext uri="{28A0092B-C50C-407E-A947-70E740481C1C}">
+                <a14:useLocalDpi xmlns:a14="http://schemas.microsoft.com/office/drawing/2010/main" val="0"/>
+              </a:ext>
+            </a:extLst>
+          </a:blip>
+          <a:stretch>
+            <a:fillRect/>
+          </a:stretch>
+        </p:blipFill>
+        <p:spPr>
+          <a:xfrm>
+            <a:off x="23231474" y="9134089"/>
+            <a:ext cx="6920271" cy="4564435"/>
+          </a:xfrm>
+          <a:prstGeom prst="rect">
+            <a:avLst/>
+          </a:prstGeom>
+        </p:spPr>
+      </p:pic>
+      <p:sp>
+        <p:nvSpPr>
+          <p:cNvPr id="28" name="文本占位符 9">
+            <a:extLst>
+              <a:ext uri="{FF2B5EF4-FFF2-40B4-BE49-F238E27FC236}">
+                <a16:creationId xmlns:a16="http://schemas.microsoft.com/office/drawing/2014/main" id="{E7F4B5CB-04DC-1DEC-2179-3F63906ACCA0}"/>
+              </a:ext>
+            </a:extLst>
+          </p:cNvPr>
+          <p:cNvSpPr txBox="1">
+            <a:spLocks noChangeArrowheads="1"/>
+          </p:cNvSpPr>
+          <p:nvPr/>
+        </p:nvSpPr>
+        <p:spPr bwMode="auto">
+          <a:xfrm>
+            <a:off x="15736888" y="13752499"/>
+            <a:ext cx="13569950" cy="2228460"/>
+          </a:xfrm>
+          <a:prstGeom prst="rect">
+            <a:avLst/>
+          </a:prstGeom>
+          <a:noFill/>
+          <a:ln>
+            <a:noFill/>
+          </a:ln>
+          <a:extLst>
+            <a:ext uri="{909E8E84-426E-40DD-AFC4-6F175D3DCCD1}">
+              <a14:hiddenFill xmlns:a14="http://schemas.microsoft.com/office/drawing/2010/main">
+                <a:solidFill>
+                  <a:srgbClr val="FFFFFF"/>
+                </a:solidFill>
+              </a14:hiddenFill>
+            </a:ext>
+            <a:ext uri="{91240B29-F687-4F45-9708-019B960494DF}">
+              <a14:hiddenLine xmlns:a14="http://schemas.microsoft.com/office/drawing/2010/main" w="9525">
+                <a:solidFill>
+                  <a:srgbClr val="000000"/>
+                </a:solidFill>
+                <a:miter lim="800000"/>
+                <a:headEnd/>
+                <a:tailEnd/>
+              </a14:hiddenLine>
+            </a:ext>
+          </a:extLst>
+        </p:spPr>
+        <p:txBody>
+          <a:bodyPr wrap="square" lIns="234774" tIns="234774" rIns="234774" bIns="234774">
+            <a:spAutoFit/>
+          </a:bodyPr>
+          <a:lstStyle>
+            <a:lvl1pPr marL="857250" indent="-857250" defTabSz="4162425">
+              <a:defRPr sz="8400">
+                <a:solidFill>
+                  <a:schemeClr val="tx1"/>
+                </a:solidFill>
+                <a:latin typeface="Arial" panose="020B0604020202020204" pitchFamily="34" charset="0"/>
+              </a:defRPr>
+            </a:lvl1pPr>
+            <a:lvl2pPr marL="2265363" indent="-857250" defTabSz="4162425">
+              <a:defRPr sz="8400">
+                <a:solidFill>
+                  <a:schemeClr val="tx1"/>
+                </a:solidFill>
+                <a:latin typeface="Arial" panose="020B0604020202020204" pitchFamily="34" charset="0"/>
+              </a:defRPr>
+            </a:lvl2pPr>
+            <a:lvl3pPr marL="1951038" indent="-541338" defTabSz="4162425">
+              <a:defRPr sz="8400">
+                <a:solidFill>
+                  <a:schemeClr val="tx1"/>
+                </a:solidFill>
+                <a:latin typeface="Arial" panose="020B0604020202020204" pitchFamily="34" charset="0"/>
+              </a:defRPr>
+            </a:lvl3pPr>
+            <a:lvl4pPr marL="2547938" indent="-595313" defTabSz="4162425">
+              <a:defRPr sz="8400">
+                <a:solidFill>
+                  <a:schemeClr val="tx1"/>
+                </a:solidFill>
+                <a:latin typeface="Arial" panose="020B0604020202020204" pitchFamily="34" charset="0"/>
+              </a:defRPr>
+            </a:lvl4pPr>
+            <a:lvl5pPr marL="2981325" indent="-433388" defTabSz="4162425">
+              <a:defRPr sz="8400">
+                <a:solidFill>
+                  <a:schemeClr val="tx1"/>
+                </a:solidFill>
+                <a:latin typeface="Arial" panose="020B0604020202020204" pitchFamily="34" charset="0"/>
+              </a:defRPr>
+            </a:lvl5pPr>
+            <a:lvl6pPr marL="3438525" indent="-433388" defTabSz="4162425" eaLnBrk="0" fontAlgn="base" hangingPunct="0">
+              <a:spcBef>
+                <a:spcPct val="0"/>
+              </a:spcBef>
+              <a:spcAft>
+                <a:spcPct val="0"/>
+              </a:spcAft>
+              <a:defRPr sz="8400">
+                <a:solidFill>
+                  <a:schemeClr val="tx1"/>
+                </a:solidFill>
+                <a:latin typeface="Arial" panose="020B0604020202020204" pitchFamily="34" charset="0"/>
+              </a:defRPr>
+            </a:lvl6pPr>
+            <a:lvl7pPr marL="3895725" indent="-433388" defTabSz="4162425" eaLnBrk="0" fontAlgn="base" hangingPunct="0">
+              <a:spcBef>
+                <a:spcPct val="0"/>
+              </a:spcBef>
+              <a:spcAft>
+                <a:spcPct val="0"/>
+              </a:spcAft>
+              <a:defRPr sz="8400">
+                <a:solidFill>
+                  <a:schemeClr val="tx1"/>
+                </a:solidFill>
+                <a:latin typeface="Arial" panose="020B0604020202020204" pitchFamily="34" charset="0"/>
+              </a:defRPr>
+            </a:lvl7pPr>
+            <a:lvl8pPr marL="4352925" indent="-433388" defTabSz="4162425" eaLnBrk="0" fontAlgn="base" hangingPunct="0">
+              <a:spcBef>
+                <a:spcPct val="0"/>
+              </a:spcBef>
+              <a:spcAft>
+                <a:spcPct val="0"/>
+              </a:spcAft>
+              <a:defRPr sz="8400">
+                <a:solidFill>
+                  <a:schemeClr val="tx1"/>
+                </a:solidFill>
+                <a:latin typeface="Arial" panose="020B0604020202020204" pitchFamily="34" charset="0"/>
+              </a:defRPr>
+            </a:lvl8pPr>
+            <a:lvl9pPr marL="4810125" indent="-433388" defTabSz="4162425" eaLnBrk="0" fontAlgn="base" hangingPunct="0">
+              <a:spcBef>
+                <a:spcPct val="0"/>
+              </a:spcBef>
+              <a:spcAft>
+                <a:spcPct val="0"/>
+              </a:spcAft>
+              <a:defRPr sz="8400">
+                <a:solidFill>
+                  <a:schemeClr val="tx1"/>
+                </a:solidFill>
+                <a:latin typeface="Arial" panose="020B0604020202020204" pitchFamily="34" charset="0"/>
+              </a:defRPr>
+            </a:lvl9pPr>
+          </a:lstStyle>
+          <a:p>
+            <a:pPr eaLnBrk="1" hangingPunct="1">
+              <a:spcBef>
+                <a:spcPct val="20000"/>
+              </a:spcBef>
+              <a:buFont typeface="Arial" panose="020B0604020202020204" pitchFamily="34" charset="0"/>
+              <a:buChar char="•"/>
+            </a:pPr>
+            <a:r>
+              <a:rPr lang="en-US" altLang="zh-CN" sz="5700" dirty="0" smtClean="0">
+                <a:solidFill>
+                  <a:srgbClr val="2C3F71"/>
+                </a:solidFill>
+                <a:latin typeface="Times New Roman" panose="02020603050405020304" pitchFamily="18" charset="0"/>
+                <a:cs typeface="Times New Roman" panose="02020603050405020304" pitchFamily="18" charset="0"/>
+              </a:rPr>
+              <a:t>However, it was able to recognize happiness with relative ease.</a:t>
+            </a:r>
+            <a:endParaRPr lang="zh-CN" altLang="en-US" sz="5700" dirty="0">
+              <a:solidFill>
+                <a:srgbClr val="2C3F71"/>
+              </a:solidFill>
+              <a:latin typeface="Times New Roman" panose="02020603050405020304" pitchFamily="18" charset="0"/>
+              <a:cs typeface="Times New Roman" panose="02020603050405020304" pitchFamily="18" charset="0"/>
+            </a:endParaRPr>
+          </a:p>
+        </p:txBody>
+      </p:sp>
+      <p:pic>
+        <p:nvPicPr>
+          <p:cNvPr id="15" name="圖片 14"/>
+          <p:cNvPicPr>
+            <a:picLocks noChangeAspect="1"/>
+          </p:cNvPicPr>
+          <p:nvPr/>
+        </p:nvPicPr>
+        <p:blipFill>
+          <a:blip r:embed="rId6">
+            <a:extLst>
+              <a:ext uri="{28A0092B-C50C-407E-A947-70E740481C1C}">
+                <a14:useLocalDpi xmlns:a14="http://schemas.microsoft.com/office/drawing/2010/main" val="0"/>
+              </a:ext>
+            </a:extLst>
+          </a:blip>
+          <a:stretch>
+            <a:fillRect/>
+          </a:stretch>
+        </p:blipFill>
+        <p:spPr>
+          <a:xfrm>
+            <a:off x="23123858" y="19100397"/>
+            <a:ext cx="4974559" cy="4876377"/>
+          </a:xfrm>
+          <a:prstGeom prst="rect">
+            <a:avLst/>
+          </a:prstGeom>
+        </p:spPr>
+      </p:pic>
+      <p:pic>
+        <p:nvPicPr>
+          <p:cNvPr id="16" name="圖片 15"/>
+          <p:cNvPicPr>
+            <a:picLocks noChangeAspect="1"/>
+          </p:cNvPicPr>
+          <p:nvPr/>
+        </p:nvPicPr>
+        <p:blipFill>
+          <a:blip r:embed="rId7">
+            <a:extLst>
+              <a:ext uri="{28A0092B-C50C-407E-A947-70E740481C1C}">
+                <a14:useLocalDpi xmlns:a14="http://schemas.microsoft.com/office/drawing/2010/main" val="0"/>
+              </a:ext>
+            </a:extLst>
+          </a:blip>
+          <a:stretch>
+            <a:fillRect/>
+          </a:stretch>
+        </p:blipFill>
+        <p:spPr>
+          <a:xfrm>
+            <a:off x="16751940" y="19117358"/>
+            <a:ext cx="4987285" cy="5084440"/>
+          </a:xfrm>
+          <a:prstGeom prst="rect">
+            <a:avLst/>
+          </a:prstGeom>
         </p:spPr>
       </p:pic>
     </p:spTree>
@@ -6442,6 +6613,21 @@
 </file>
 
 <file path=customXml/item1.xml><?xml version="1.0" encoding="utf-8"?>
+<?mso-contentType ?>
+<FormTemplates xmlns="http://schemas.microsoft.com/sharepoint/v3/contenttype/forms">
+  <Display>DocumentLibraryForm</Display>
+  <Edit>DocumentLibraryForm</Edit>
+  <New>DocumentLibraryForm</New>
+</FormTemplates>
+</file>
+
+<file path=customXml/item2.xml><?xml version="1.0" encoding="utf-8"?>
+<p:properties xmlns:p="http://schemas.microsoft.com/office/2006/metadata/properties" xmlns:xsi="http://www.w3.org/2001/XMLSchema-instance" xmlns:pc="http://schemas.microsoft.com/office/infopath/2007/PartnerControls">
+  <documentManagement/>
+</p:properties>
+</file>
+
+<file path=customXml/item3.xml><?xml version="1.0" encoding="utf-8"?>
 <ct:contentTypeSchema xmlns:ct="http://schemas.microsoft.com/office/2006/metadata/contentType" xmlns:ma="http://schemas.microsoft.com/office/2006/metadata/properties/metaAttributes" ct:_="" ma:_="" ma:contentTypeName="Document" ma:contentTypeID="0x0101004F1654235C5CA44FBA336076A8AAA218" ma:contentTypeVersion="7" ma:contentTypeDescription="Create a new document." ma:contentTypeScope="" ma:versionID="09927aeacaff90a9d782380c295c03d2">
   <xsd:schema xmlns:xsd="http://www.w3.org/2001/XMLSchema" xmlns:xs="http://www.w3.org/2001/XMLSchema" xmlns:p="http://schemas.microsoft.com/office/2006/metadata/properties" xmlns:ns3="f792bfd4-8775-4c64-9cc0-5deceb05eff7" xmlns:ns4="5d311089-2fdb-4465-bd6c-265a8c34f07c" targetNamespace="http://schemas.microsoft.com/office/2006/metadata/properties" ma:root="true" ma:fieldsID="d4395c7fb537e951d187637c17016761" ns3:_="" ns4:_="">
     <xsd:import namespace="f792bfd4-8775-4c64-9cc0-5deceb05eff7"/>
@@ -6626,36 +6812,10 @@
 </ct:contentTypeSchema>
 </file>
 
-<file path=customXml/item2.xml><?xml version="1.0" encoding="utf-8"?>
-<p:properties xmlns:p="http://schemas.microsoft.com/office/2006/metadata/properties" xmlns:xsi="http://www.w3.org/2001/XMLSchema-instance" xmlns:pc="http://schemas.microsoft.com/office/infopath/2007/PartnerControls">
-  <documentManagement/>
-</p:properties>
-</file>
-
-<file path=customXml/item3.xml><?xml version="1.0" encoding="utf-8"?>
-<?mso-contentType ?>
-<FormTemplates xmlns="http://schemas.microsoft.com/sharepoint/v3/contenttype/forms">
-  <Display>DocumentLibraryForm</Display>
-  <Edit>DocumentLibraryForm</Edit>
-  <New>DocumentLibraryForm</New>
-</FormTemplates>
-</file>
-
 <file path=customXml/itemProps1.xml><?xml version="1.0" encoding="utf-8"?>
-<ds:datastoreItem xmlns:ds="http://schemas.openxmlformats.org/officeDocument/2006/customXml" ds:itemID="{73ED156F-4D9B-4BCA-B04D-4E9F74EB47FC}">
+<ds:datastoreItem xmlns:ds="http://schemas.openxmlformats.org/officeDocument/2006/customXml" ds:itemID="{531510A3-D1FE-45C8-AE9E-F9898CA69D81}">
   <ds:schemaRefs>
-    <ds:schemaRef ds:uri="http://schemas.microsoft.com/office/2006/metadata/contentType"/>
-    <ds:schemaRef ds:uri="http://schemas.microsoft.com/office/2006/metadata/properties/metaAttributes"/>
-    <ds:schemaRef ds:uri="http://www.w3.org/2001/XMLSchema"/>
-    <ds:schemaRef ds:uri="http://schemas.microsoft.com/office/2006/metadata/properties"/>
-    <ds:schemaRef ds:uri="f792bfd4-8775-4c64-9cc0-5deceb05eff7"/>
-    <ds:schemaRef ds:uri="5d311089-2fdb-4465-bd6c-265a8c34f07c"/>
-    <ds:schemaRef ds:uri="http://schemas.microsoft.com/office/2006/documentManagement/types"/>
-    <ds:schemaRef ds:uri="http://schemas.microsoft.com/office/infopath/2007/PartnerControls"/>
-    <ds:schemaRef ds:uri="http://schemas.openxmlformats.org/package/2006/metadata/core-properties"/>
-    <ds:schemaRef ds:uri="http://purl.org/dc/elements/1.1/"/>
-    <ds:schemaRef ds:uri="http://purl.org/dc/terms/"/>
-    <ds:schemaRef ds:uri="http://schemas.microsoft.com/internal/obd"/>
+    <ds:schemaRef ds:uri="http://schemas.microsoft.com/sharepoint/v3/contenttype/forms"/>
   </ds:schemaRefs>
 </ds:datastoreItem>
 </file>
@@ -6678,9 +6838,20 @@
 </file>
 
 <file path=customXml/itemProps3.xml><?xml version="1.0" encoding="utf-8"?>
-<ds:datastoreItem xmlns:ds="http://schemas.openxmlformats.org/officeDocument/2006/customXml" ds:itemID="{531510A3-D1FE-45C8-AE9E-F9898CA69D81}">
+<ds:datastoreItem xmlns:ds="http://schemas.openxmlformats.org/officeDocument/2006/customXml" ds:itemID="{73ED156F-4D9B-4BCA-B04D-4E9F74EB47FC}">
   <ds:schemaRefs>
-    <ds:schemaRef ds:uri="http://schemas.microsoft.com/sharepoint/v3/contenttype/forms"/>
+    <ds:schemaRef ds:uri="http://schemas.microsoft.com/office/2006/metadata/contentType"/>
+    <ds:schemaRef ds:uri="http://schemas.microsoft.com/office/2006/metadata/properties/metaAttributes"/>
+    <ds:schemaRef ds:uri="http://www.w3.org/2001/XMLSchema"/>
+    <ds:schemaRef ds:uri="http://schemas.microsoft.com/office/2006/metadata/properties"/>
+    <ds:schemaRef ds:uri="f792bfd4-8775-4c64-9cc0-5deceb05eff7"/>
+    <ds:schemaRef ds:uri="5d311089-2fdb-4465-bd6c-265a8c34f07c"/>
+    <ds:schemaRef ds:uri="http://schemas.microsoft.com/office/2006/documentManagement/types"/>
+    <ds:schemaRef ds:uri="http://schemas.microsoft.com/office/infopath/2007/PartnerControls"/>
+    <ds:schemaRef ds:uri="http://schemas.openxmlformats.org/package/2006/metadata/core-properties"/>
+    <ds:schemaRef ds:uri="http://purl.org/dc/elements/1.1/"/>
+    <ds:schemaRef ds:uri="http://purl.org/dc/terms/"/>
+    <ds:schemaRef ds:uri="http://schemas.microsoft.com/internal/obd"/>
   </ds:schemaRefs>
 </ds:datastoreItem>
 </file>